--- a/Recommender System/(2021 AlgoExpert) Recommender Systems.pptx
+++ b/Recommender System/(2021 AlgoExpert) Recommender Systems.pptx
@@ -275,7 +275,7 @@
           <a:p>
             <a:fld id="{4D9E09C2-D69C-444E-9C33-234807EF1830}" type="datetimeFigureOut">
               <a:rPr lang="en-SG" smtClean="0"/>
-              <a:t>17/9/2021</a:t>
+              <a:t>28/9/2021</a:t>
             </a:fld>
             <a:endParaRPr lang="en-SG"/>
           </a:p>
@@ -475,7 +475,7 @@
           <a:p>
             <a:fld id="{4D9E09C2-D69C-444E-9C33-234807EF1830}" type="datetimeFigureOut">
               <a:rPr lang="en-SG" smtClean="0"/>
-              <a:t>17/9/2021</a:t>
+              <a:t>28/9/2021</a:t>
             </a:fld>
             <a:endParaRPr lang="en-SG"/>
           </a:p>
@@ -685,7 +685,7 @@
           <a:p>
             <a:fld id="{4D9E09C2-D69C-444E-9C33-234807EF1830}" type="datetimeFigureOut">
               <a:rPr lang="en-SG" smtClean="0"/>
-              <a:t>17/9/2021</a:t>
+              <a:t>28/9/2021</a:t>
             </a:fld>
             <a:endParaRPr lang="en-SG"/>
           </a:p>
@@ -885,7 +885,7 @@
           <a:p>
             <a:fld id="{4D9E09C2-D69C-444E-9C33-234807EF1830}" type="datetimeFigureOut">
               <a:rPr lang="en-SG" smtClean="0"/>
-              <a:t>17/9/2021</a:t>
+              <a:t>28/9/2021</a:t>
             </a:fld>
             <a:endParaRPr lang="en-SG"/>
           </a:p>
@@ -1161,7 +1161,7 @@
           <a:p>
             <a:fld id="{4D9E09C2-D69C-444E-9C33-234807EF1830}" type="datetimeFigureOut">
               <a:rPr lang="en-SG" smtClean="0"/>
-              <a:t>17/9/2021</a:t>
+              <a:t>28/9/2021</a:t>
             </a:fld>
             <a:endParaRPr lang="en-SG"/>
           </a:p>
@@ -1429,7 +1429,7 @@
           <a:p>
             <a:fld id="{4D9E09C2-D69C-444E-9C33-234807EF1830}" type="datetimeFigureOut">
               <a:rPr lang="en-SG" smtClean="0"/>
-              <a:t>17/9/2021</a:t>
+              <a:t>28/9/2021</a:t>
             </a:fld>
             <a:endParaRPr lang="en-SG"/>
           </a:p>
@@ -1844,7 +1844,7 @@
           <a:p>
             <a:fld id="{4D9E09C2-D69C-444E-9C33-234807EF1830}" type="datetimeFigureOut">
               <a:rPr lang="en-SG" smtClean="0"/>
-              <a:t>17/9/2021</a:t>
+              <a:t>28/9/2021</a:t>
             </a:fld>
             <a:endParaRPr lang="en-SG"/>
           </a:p>
@@ -1986,7 +1986,7 @@
           <a:p>
             <a:fld id="{4D9E09C2-D69C-444E-9C33-234807EF1830}" type="datetimeFigureOut">
               <a:rPr lang="en-SG" smtClean="0"/>
-              <a:t>17/9/2021</a:t>
+              <a:t>28/9/2021</a:t>
             </a:fld>
             <a:endParaRPr lang="en-SG"/>
           </a:p>
@@ -2099,7 +2099,7 @@
           <a:p>
             <a:fld id="{4D9E09C2-D69C-444E-9C33-234807EF1830}" type="datetimeFigureOut">
               <a:rPr lang="en-SG" smtClean="0"/>
-              <a:t>17/9/2021</a:t>
+              <a:t>28/9/2021</a:t>
             </a:fld>
             <a:endParaRPr lang="en-SG"/>
           </a:p>
@@ -2412,7 +2412,7 @@
           <a:p>
             <a:fld id="{4D9E09C2-D69C-444E-9C33-234807EF1830}" type="datetimeFigureOut">
               <a:rPr lang="en-SG" smtClean="0"/>
-              <a:t>17/9/2021</a:t>
+              <a:t>28/9/2021</a:t>
             </a:fld>
             <a:endParaRPr lang="en-SG"/>
           </a:p>
@@ -2701,7 +2701,7 @@
           <a:p>
             <a:fld id="{4D9E09C2-D69C-444E-9C33-234807EF1830}" type="datetimeFigureOut">
               <a:rPr lang="en-SG" smtClean="0"/>
-              <a:t>17/9/2021</a:t>
+              <a:t>28/9/2021</a:t>
             </a:fld>
             <a:endParaRPr lang="en-SG"/>
           </a:p>
@@ -2944,7 +2944,7 @@
           <a:p>
             <a:fld id="{4D9E09C2-D69C-444E-9C33-234807EF1830}" type="datetimeFigureOut">
               <a:rPr lang="en-SG" smtClean="0"/>
-              <a:t>17/9/2021</a:t>
+              <a:t>28/9/2021</a:t>
             </a:fld>
             <a:endParaRPr lang="en-SG"/>
           </a:p>
@@ -7447,14 +7447,21 @@
             <a:pPr lvl="1"/>
             <a:r>
               <a:rPr lang="en-US" dirty="0"/>
-              <a:t>For example, we recommend an item to a user =&gt; increment some values in the user-item matrix</a:t>
+              <a:t>A state of a system in which user behavior is reinforced by the recommendations themselves</a:t>
+            </a:r>
+          </a:p>
+          <a:p>
+            <a:pPr lvl="1"/>
+            <a:r>
+              <a:rPr lang="en-US" dirty="0"/>
+              <a:t>For example, recommend an item to a user =&gt; increment some values in the user-item matrix</a:t>
             </a:r>
             <a:br>
               <a:rPr lang="en-US" dirty="0"/>
             </a:br>
             <a:r>
               <a:rPr lang="en-US" dirty="0"/>
-              <a:t>=&gt; cause it to have more weight for other users =&gt; keeps on spin within this positive feedback loop</a:t>
+              <a:t>=&gt; make it have more weight for other users =&gt; keeps on spin within this positive feedback loop</a:t>
             </a:r>
           </a:p>
           <a:p>
@@ -7507,6 +7514,21 @@
             <a:pPr lvl="1"/>
             <a:r>
               <a:rPr lang="en-US" dirty="0"/>
+              <a:t>Users manipulate by inflating / </a:t>
+            </a:r>
+            <a:r>
+              <a:rPr lang="en-US" dirty="0" err="1"/>
+              <a:t>defalting</a:t>
+            </a:r>
+            <a:r>
+              <a:rPr lang="en-US" dirty="0"/>
+              <a:t> interactions for their own or competitors</a:t>
+            </a:r>
+          </a:p>
+          <a:p>
+            <a:pPr lvl="1"/>
+            <a:r>
+              <a:rPr lang="en-US" dirty="0"/>
               <a:t>People may create many accounts to “like” their posts, or “dislike” their competitor’s posts</a:t>
             </a:r>
           </a:p>
@@ -7514,15 +7536,13 @@
             <a:pPr lvl="1"/>
             <a:r>
               <a:rPr lang="en-US" dirty="0"/>
-              <a:t>Some solution:</a:t>
+              <a:t>Some solution: Allow only one user per phone, </a:t>
             </a:r>
-          </a:p>
-          <a:p>
-            <a:pPr lvl="2"/>
             <a:r>
-              <a:rPr lang="en-US" dirty="0"/>
-              <a:t>Allow only one user per phone</a:t>
+              <a:rPr lang="en-US" dirty="0" err="1"/>
+              <a:t>etc</a:t>
             </a:r>
+            <a:endParaRPr lang="en-US" dirty="0"/>
           </a:p>
           <a:p>
             <a:pPr lvl="2"/>
@@ -18002,8 +18022,8 @@
           </a:p>
         </p:txBody>
       </p:sp>
-      <mc:AlternateContent xmlns:mc="http://schemas.openxmlformats.org/markup-compatibility/2006" xmlns:a14="http://schemas.microsoft.com/office/drawing/2010/main">
-        <mc:Choice Requires="a14">
+      <mc:AlternateContent xmlns:mc="http://schemas.openxmlformats.org/markup-compatibility/2006">
+        <mc:Choice xmlns:a14="http://schemas.microsoft.com/office/drawing/2010/main" Requires="a14">
           <p:sp>
             <p:nvSpPr>
               <p:cNvPr id="3" name="Content Placeholder 2">
@@ -18039,17 +18059,22 @@
               </a:p>
               <a:p>
                 <a:r>
-                  <a:rPr lang="en-US" dirty="0"/>
-                  <a:t>Solution: </a:t>
-                </a:r>
-                <a:r>
                   <a:rPr lang="en-US" dirty="0">
                     <a:solidFill>
                       <a:srgbClr val="0070C0"/>
                     </a:solidFill>
                   </a:rPr>
-                  <a:t>matrix factorization</a:t>
+                  <a:t>Matrix Factorization</a:t>
                 </a:r>
+                <a:r>
+                  <a:rPr lang="en-US" dirty="0"/>
+                  <a:t>: factor large matrix into embeddings</a:t>
+                </a:r>
+                <a:endParaRPr lang="en-US" dirty="0">
+                  <a:solidFill>
+                    <a:srgbClr val="0070C0"/>
+                  </a:solidFill>
+                </a:endParaRPr>
               </a:p>
               <a:p>
                 <a:pPr lvl="1"/>
@@ -18175,15 +18200,30 @@
                         </m:r>
                       </m:sup>
                     </m:sSup>
-                    <m:r>
-                      <a:rPr lang="en-US" b="0" i="1" smtClean="0">
-                        <a:solidFill>
-                          <a:srgbClr val="0070C0"/>
-                        </a:solidFill>
-                        <a:latin typeface="Cambria Math" panose="02040503050406030204" pitchFamily="18" charset="0"/>
-                      </a:rPr>
-                      <m:t>𝑃</m:t>
-                    </m:r>
+                    <m:acc>
+                      <m:accPr>
+                        <m:chr m:val="̃"/>
+                        <m:ctrlPr>
+                          <a:rPr lang="en-US" b="0" i="1" smtClean="0">
+                            <a:solidFill>
+                              <a:srgbClr val="0070C0"/>
+                            </a:solidFill>
+                            <a:latin typeface="Cambria Math" panose="02040503050406030204" pitchFamily="18" charset="0"/>
+                          </a:rPr>
+                        </m:ctrlPr>
+                      </m:accPr>
+                      <m:e>
+                        <m:r>
+                          <a:rPr lang="en-US" b="0" i="1" smtClean="0">
+                            <a:solidFill>
+                              <a:srgbClr val="0070C0"/>
+                            </a:solidFill>
+                            <a:latin typeface="Cambria Math" panose="02040503050406030204" pitchFamily="18" charset="0"/>
+                          </a:rPr>
+                          <m:t>𝑃</m:t>
+                        </m:r>
+                      </m:e>
+                    </m:acc>
                     <m:r>
                       <a:rPr lang="en-US" b="0" i="1" smtClean="0">
                         <a:solidFill>
@@ -20252,7 +20292,7 @@
             </p:txBody>
           </p:sp>
         </mc:Choice>
-        <mc:Fallback xmlns="">
+        <mc:Fallback>
           <p:sp>
             <p:nvSpPr>
               <p:cNvPr id="3" name="Content Placeholder 2">
@@ -20362,8 +20402,8 @@
           </a:p>
         </p:txBody>
       </p:sp>
-      <mc:AlternateContent xmlns:mc="http://schemas.openxmlformats.org/markup-compatibility/2006" xmlns:a14="http://schemas.microsoft.com/office/drawing/2010/main">
-        <mc:Choice Requires="a14">
+      <mc:AlternateContent xmlns:mc="http://schemas.openxmlformats.org/markup-compatibility/2006">
+        <mc:Choice xmlns:a14="http://schemas.microsoft.com/office/drawing/2010/main" Requires="a14">
           <p:sp>
             <p:nvSpPr>
               <p:cNvPr id="3" name="Content Placeholder 2">
@@ -20395,6 +20435,13 @@
                 <a:r>
                   <a:rPr lang="en-US" dirty="0"/>
                   <a:t>Implicit Rating: </a:t>
+                </a:r>
+              </a:p>
+              <a:p>
+                <a:pPr lvl="1"/>
+                <a:r>
+                  <a:rPr lang="en-US" dirty="0"/>
+                  <a:t>Calculated from user behavior</a:t>
                 </a:r>
               </a:p>
               <a:p>
@@ -21115,7 +21162,7 @@
             </p:txBody>
           </p:sp>
         </mc:Choice>
-        <mc:Fallback xmlns="">
+        <mc:Fallback>
           <p:sp>
             <p:nvSpPr>
               <p:cNvPr id="3" name="Content Placeholder 2">
